--- a/Project Presentation.pptx
+++ b/Project Presentation.pptx
@@ -12500,10 +12500,10 @@
       </p:sp>
       <p:pic>
         <p:nvPicPr>
-          <p:cNvPr id="10" name="Picture 9">
+          <p:cNvPr id="5" name="Picture 4">
             <a:extLst>
               <a:ext uri="{FF2B5EF4-FFF2-40B4-BE49-F238E27FC236}">
-                <a16:creationId xmlns:a16="http://schemas.microsoft.com/office/drawing/2014/main" id="{6D8DEE9F-A52D-469C-34D2-BCDF9CDA60A5}"/>
+                <a16:creationId xmlns:a16="http://schemas.microsoft.com/office/drawing/2014/main" id="{3E776F2F-AC34-D0D6-2839-9B73E2EFBC00}"/>
               </a:ext>
             </a:extLst>
           </p:cNvPr>
@@ -12520,8 +12520,8 @@
         </p:blipFill>
         <p:spPr>
           <a:xfrm>
-            <a:off x="2297282" y="1384338"/>
-            <a:ext cx="7597436" cy="4731998"/>
+            <a:off x="2021669" y="1256014"/>
+            <a:ext cx="7897202" cy="5123212"/>
           </a:xfrm>
           <a:prstGeom prst="rect">
             <a:avLst/>

--- a/Project Presentation.pptx
+++ b/Project Presentation.pptx
@@ -12500,10 +12500,10 @@
       </p:sp>
       <p:pic>
         <p:nvPicPr>
-          <p:cNvPr id="5" name="Picture 4">
+          <p:cNvPr id="3" name="Picture 2">
             <a:extLst>
               <a:ext uri="{FF2B5EF4-FFF2-40B4-BE49-F238E27FC236}">
-                <a16:creationId xmlns:a16="http://schemas.microsoft.com/office/drawing/2014/main" id="{3E776F2F-AC34-D0D6-2839-9B73E2EFBC00}"/>
+                <a16:creationId xmlns:a16="http://schemas.microsoft.com/office/drawing/2014/main" id="{A957D30E-4E50-32DA-0480-C1672B2192B6}"/>
               </a:ext>
             </a:extLst>
           </p:cNvPr>
@@ -12520,8 +12520,8 @@
         </p:blipFill>
         <p:spPr>
           <a:xfrm>
-            <a:off x="2021669" y="1256014"/>
-            <a:ext cx="7897202" cy="5123212"/>
+            <a:off x="3387951" y="1267444"/>
+            <a:ext cx="5598978" cy="5054632"/>
           </a:xfrm>
           <a:prstGeom prst="rect">
             <a:avLst/>
